--- a/Abgabe/Schulungspräsentation.pptx
+++ b/Abgabe/Schulungspräsentation.pptx
@@ -23,6 +23,10 @@
     <p:sldId id="271" r:id="rId17"/>
     <p:sldId id="272" r:id="rId18"/>
     <p:sldId id="273" r:id="rId19"/>
+    <p:sldId id="275" r:id="rId20"/>
+    <p:sldId id="276" r:id="rId21"/>
+    <p:sldId id="277" r:id="rId22"/>
+    <p:sldId id="278" r:id="rId23"/>
   </p:sldIdLst>
   <p:sldSz cx="12192000" cy="6858000"/>
   <p:notesSz cx="6858000" cy="9144000"/>
@@ -4689,6 +4693,94 @@
 </p:sld>
 </file>
 
+<file path=ppt/slides/slide19.xml><?xml version="1.0" encoding="utf-8"?>
+<p:sld xmlns:a="http://schemas.openxmlformats.org/drawingml/2006/main" xmlns:r="http://schemas.openxmlformats.org/officeDocument/2006/relationships" xmlns:p="http://schemas.openxmlformats.org/presentationml/2006/main">
+  <p:cSld>
+    <p:bg>
+      <p:bgPr>
+        <a:solidFill>
+          <a:srgbClr val="BFBFBF"/>
+        </a:solidFill>
+        <a:effectLst/>
+      </p:bgPr>
+    </p:bg>
+    <p:spTree>
+      <p:nvGrpSpPr>
+        <p:cNvPr id="1" name=""/>
+        <p:cNvGrpSpPr/>
+        <p:nvPr/>
+      </p:nvGrpSpPr>
+      <p:grpSpPr>
+        <a:xfrm>
+          <a:off x="0" y="0"/>
+          <a:ext cx="0" cy="0"/>
+          <a:chOff x="0" y="0"/>
+          <a:chExt cx="0" cy="0"/>
+        </a:xfrm>
+      </p:grpSpPr>
+      <p:pic>
+        <p:nvPicPr>
+          <p:cNvPr id="122" name="Grafik 121"/>
+          <p:cNvPicPr/>
+          <p:nvPr/>
+        </p:nvPicPr>
+        <p:blipFill>
+          <a:blip r:embed="rId2"/>
+          <a:stretch/>
+        </p:blipFill>
+        <p:spPr>
+          <a:xfrm>
+            <a:off x="3528000" y="270000"/>
+            <a:ext cx="5400000" cy="6300360"/>
+          </a:xfrm>
+          <a:prstGeom prst="rect">
+            <a:avLst/>
+          </a:prstGeom>
+          <a:ln>
+            <a:noFill/>
+          </a:ln>
+        </p:spPr>
+      </p:pic>
+    </p:spTree>
+    <p:extLst>
+      <p:ext uri="{BB962C8B-B14F-4D97-AF65-F5344CB8AC3E}">
+        <p14:creationId xmlns:p14="http://schemas.microsoft.com/office/powerpoint/2010/main" val="1836909608"/>
+      </p:ext>
+    </p:extLst>
+  </p:cSld>
+  <p:clrMapOvr>
+    <a:masterClrMapping/>
+  </p:clrMapOvr>
+  <p:timing>
+    <p:tnLst>
+      <p:par>
+        <p:cTn id="1" dur="indefinite" restart="never" nodeType="tmRoot">
+          <p:childTnLst>
+            <p:seq>
+              <p:cTn id="2" nodeType="mainSeq"/>
+              <p:prevCondLst>
+                <p:cond evt="onPrev" delay="0">
+                  <p:tgtEl>
+                    <p:sldTgt/>
+                  </p:tgtEl>
+                </p:cond>
+              </p:prevCondLst>
+              <p:nextCondLst>
+                <p:cond evt="onNext" delay="0">
+                  <p:tgtEl>
+                    <p:sldTgt/>
+                  </p:tgtEl>
+                </p:cond>
+              </p:nextCondLst>
+            </p:seq>
+          </p:childTnLst>
+        </p:cTn>
+      </p:par>
+    </p:tnLst>
+  </p:timing>
+</p:sld>
+</file>
+
 <file path=ppt/slides/slide2.xml><?xml version="1.0" encoding="utf-8"?>
 <p:sld xmlns:a="http://schemas.openxmlformats.org/drawingml/2006/main" xmlns:r="http://schemas.openxmlformats.org/officeDocument/2006/relationships" xmlns:p="http://schemas.openxmlformats.org/presentationml/2006/main">
   <p:cSld>
@@ -4896,6 +4988,480 @@
     <p:tnLst>
       <p:par>
         <p:cTn id="1" dur="indefinite" restart="never" nodeType="tmRoot"/>
+      </p:par>
+    </p:tnLst>
+  </p:timing>
+</p:sld>
+</file>
+
+<file path=ppt/slides/slide20.xml><?xml version="1.0" encoding="utf-8"?>
+<p:sld xmlns:a="http://schemas.openxmlformats.org/drawingml/2006/main" xmlns:r="http://schemas.openxmlformats.org/officeDocument/2006/relationships" xmlns:p="http://schemas.openxmlformats.org/presentationml/2006/main">
+  <p:cSld>
+    <p:bg>
+      <p:bgPr>
+        <a:solidFill>
+          <a:srgbClr val="BFBFBF"/>
+        </a:solidFill>
+        <a:effectLst/>
+      </p:bgPr>
+    </p:bg>
+    <p:spTree>
+      <p:nvGrpSpPr>
+        <p:cNvPr id="1" name=""/>
+        <p:cNvGrpSpPr/>
+        <p:nvPr/>
+      </p:nvGrpSpPr>
+      <p:grpSpPr>
+        <a:xfrm>
+          <a:off x="0" y="0"/>
+          <a:ext cx="0" cy="0"/>
+          <a:chOff x="0" y="0"/>
+          <a:chExt cx="0" cy="0"/>
+        </a:xfrm>
+      </p:grpSpPr>
+      <p:sp>
+        <p:nvSpPr>
+          <p:cNvPr id="123" name="TextShape 1"/>
+          <p:cNvSpPr txBox="1"/>
+          <p:nvPr/>
+        </p:nvSpPr>
+        <p:spPr>
+          <a:xfrm>
+            <a:off x="1008000" y="330840"/>
+            <a:ext cx="10515240" cy="1325160"/>
+          </a:xfrm>
+          <a:prstGeom prst="rect">
+            <a:avLst/>
+          </a:prstGeom>
+          <a:noFill/>
+          <a:ln>
+            <a:noFill/>
+          </a:ln>
+        </p:spPr>
+        <p:txBody>
+          <a:bodyPr/>
+          <a:lstStyle/>
+          <a:p>
+            <a:pPr>
+              <a:lnSpc>
+                <a:spcPct val="100000"/>
+              </a:lnSpc>
+            </a:pPr>
+            <a:r>
+              <a:rPr lang="de-DE" sz="3200" b="0" strike="noStrike" spc="-1">
+                <a:solidFill>
+                  <a:srgbClr val="FFFFFF"/>
+                </a:solidFill>
+                <a:uFill>
+                  <a:solidFill>
+                    <a:srgbClr val="FFFFFF"/>
+                  </a:solidFill>
+                </a:uFill>
+                <a:latin typeface="Berlin Sans FB Demi"/>
+              </a:rPr>
+              <a:t>But wait! There‘s more: </a:t>
+            </a:r>
+            <a:r>
+              <a:rPr lang="de-DE" sz="4400" b="0" strike="noStrike" spc="-1">
+                <a:solidFill>
+                  <a:srgbClr val="FFFFFF"/>
+                </a:solidFill>
+                <a:uFill>
+                  <a:solidFill>
+                    <a:srgbClr val="FFFFFF"/>
+                  </a:solidFill>
+                </a:uFill>
+                <a:latin typeface="Berlin Sans FB Demi"/>
+              </a:rPr>
+              <a:t>Build Pipeline</a:t>
+            </a:r>
+            <a:endParaRPr lang="de-DE" sz="1800" b="0" strike="noStrike" spc="-1">
+              <a:solidFill>
+                <a:srgbClr val="000000"/>
+              </a:solidFill>
+              <a:uFill>
+                <a:solidFill>
+                  <a:srgbClr val="FFFFFF"/>
+                </a:solidFill>
+              </a:uFill>
+              <a:latin typeface="Calibri"/>
+            </a:endParaRPr>
+          </a:p>
+        </p:txBody>
+      </p:sp>
+      <p:pic>
+        <p:nvPicPr>
+          <p:cNvPr id="124" name="Grafik 123"/>
+          <p:cNvPicPr/>
+          <p:nvPr/>
+        </p:nvPicPr>
+        <p:blipFill>
+          <a:blip r:embed="rId2"/>
+          <a:stretch/>
+        </p:blipFill>
+        <p:spPr>
+          <a:xfrm>
+            <a:off x="1944000" y="1224000"/>
+            <a:ext cx="8351280" cy="5487480"/>
+          </a:xfrm>
+          <a:prstGeom prst="rect">
+            <a:avLst/>
+          </a:prstGeom>
+          <a:ln>
+            <a:noFill/>
+          </a:ln>
+        </p:spPr>
+      </p:pic>
+    </p:spTree>
+    <p:extLst>
+      <p:ext uri="{BB962C8B-B14F-4D97-AF65-F5344CB8AC3E}">
+        <p14:creationId xmlns:p14="http://schemas.microsoft.com/office/powerpoint/2010/main" val="1698300992"/>
+      </p:ext>
+    </p:extLst>
+  </p:cSld>
+  <p:clrMapOvr>
+    <a:masterClrMapping/>
+  </p:clrMapOvr>
+  <p:timing>
+    <p:tnLst>
+      <p:par>
+        <p:cTn id="1" dur="indefinite" restart="never" nodeType="tmRoot">
+          <p:childTnLst>
+            <p:seq>
+              <p:cTn id="2" nodeType="mainSeq"/>
+              <p:prevCondLst>
+                <p:cond evt="onPrev" delay="0">
+                  <p:tgtEl>
+                    <p:sldTgt/>
+                  </p:tgtEl>
+                </p:cond>
+              </p:prevCondLst>
+              <p:nextCondLst>
+                <p:cond evt="onNext" delay="0">
+                  <p:tgtEl>
+                    <p:sldTgt/>
+                  </p:tgtEl>
+                </p:cond>
+              </p:nextCondLst>
+            </p:seq>
+          </p:childTnLst>
+        </p:cTn>
+      </p:par>
+    </p:tnLst>
+  </p:timing>
+</p:sld>
+</file>
+
+<file path=ppt/slides/slide21.xml><?xml version="1.0" encoding="utf-8"?>
+<p:sld xmlns:a="http://schemas.openxmlformats.org/drawingml/2006/main" xmlns:r="http://schemas.openxmlformats.org/officeDocument/2006/relationships" xmlns:p="http://schemas.openxmlformats.org/presentationml/2006/main">
+  <p:cSld>
+    <p:bg>
+      <p:bgPr>
+        <a:solidFill>
+          <a:srgbClr val="BFBFBF"/>
+        </a:solidFill>
+        <a:effectLst/>
+      </p:bgPr>
+    </p:bg>
+    <p:spTree>
+      <p:nvGrpSpPr>
+        <p:cNvPr id="1" name=""/>
+        <p:cNvGrpSpPr/>
+        <p:nvPr/>
+      </p:nvGrpSpPr>
+      <p:grpSpPr>
+        <a:xfrm>
+          <a:off x="0" y="0"/>
+          <a:ext cx="0" cy="0"/>
+          <a:chOff x="0" y="0"/>
+          <a:chExt cx="0" cy="0"/>
+        </a:xfrm>
+      </p:grpSpPr>
+      <p:sp>
+        <p:nvSpPr>
+          <p:cNvPr id="125" name="TextShape 1"/>
+          <p:cNvSpPr txBox="1"/>
+          <p:nvPr/>
+        </p:nvSpPr>
+        <p:spPr>
+          <a:xfrm>
+            <a:off x="838080" y="2465640"/>
+            <a:ext cx="10515240" cy="1325160"/>
+          </a:xfrm>
+          <a:prstGeom prst="rect">
+            <a:avLst/>
+          </a:prstGeom>
+          <a:noFill/>
+          <a:ln>
+            <a:noFill/>
+          </a:ln>
+        </p:spPr>
+        <p:txBody>
+          <a:bodyPr anchor="ctr"/>
+          <a:lstStyle/>
+          <a:p>
+            <a:endParaRPr lang="de-DE" sz="1800" b="0" strike="noStrike" spc="-1">
+              <a:solidFill>
+                <a:srgbClr val="000000"/>
+              </a:solidFill>
+              <a:uFill>
+                <a:solidFill>
+                  <a:srgbClr val="FFFFFF"/>
+                </a:solidFill>
+              </a:uFill>
+              <a:latin typeface="Calibri"/>
+            </a:endParaRPr>
+          </a:p>
+        </p:txBody>
+      </p:sp>
+      <p:pic>
+        <p:nvPicPr>
+          <p:cNvPr id="126" name="Grafik 125"/>
+          <p:cNvPicPr/>
+          <p:nvPr/>
+        </p:nvPicPr>
+        <p:blipFill>
+          <a:blip r:embed="rId2"/>
+          <a:stretch/>
+        </p:blipFill>
+        <p:spPr>
+          <a:xfrm>
+            <a:off x="-360000" y="720000"/>
+            <a:ext cx="12779640" cy="4968000"/>
+          </a:xfrm>
+          <a:prstGeom prst="rect">
+            <a:avLst/>
+          </a:prstGeom>
+          <a:ln>
+            <a:noFill/>
+          </a:ln>
+        </p:spPr>
+      </p:pic>
+    </p:spTree>
+    <p:extLst>
+      <p:ext uri="{BB962C8B-B14F-4D97-AF65-F5344CB8AC3E}">
+        <p14:creationId xmlns:p14="http://schemas.microsoft.com/office/powerpoint/2010/main" val="1797739365"/>
+      </p:ext>
+    </p:extLst>
+  </p:cSld>
+  <p:clrMapOvr>
+    <a:masterClrMapping/>
+  </p:clrMapOvr>
+  <p:timing>
+    <p:tnLst>
+      <p:par>
+        <p:cTn id="1" dur="indefinite" restart="never" nodeType="tmRoot">
+          <p:childTnLst>
+            <p:seq>
+              <p:cTn id="2" nodeType="mainSeq"/>
+              <p:prevCondLst>
+                <p:cond evt="onPrev" delay="0">
+                  <p:tgtEl>
+                    <p:sldTgt/>
+                  </p:tgtEl>
+                </p:cond>
+              </p:prevCondLst>
+              <p:nextCondLst>
+                <p:cond evt="onNext" delay="0">
+                  <p:tgtEl>
+                    <p:sldTgt/>
+                  </p:tgtEl>
+                </p:cond>
+              </p:nextCondLst>
+            </p:seq>
+          </p:childTnLst>
+        </p:cTn>
+      </p:par>
+    </p:tnLst>
+  </p:timing>
+</p:sld>
+</file>
+
+<file path=ppt/slides/slide22.xml><?xml version="1.0" encoding="utf-8"?>
+<p:sld xmlns:a="http://schemas.openxmlformats.org/drawingml/2006/main" xmlns:r="http://schemas.openxmlformats.org/officeDocument/2006/relationships" xmlns:p="http://schemas.openxmlformats.org/presentationml/2006/main">
+  <p:cSld>
+    <p:bg>
+      <p:bgPr>
+        <a:solidFill>
+          <a:srgbClr val="BFBFBF"/>
+        </a:solidFill>
+        <a:effectLst/>
+      </p:bgPr>
+    </p:bg>
+    <p:spTree>
+      <p:nvGrpSpPr>
+        <p:cNvPr id="1" name=""/>
+        <p:cNvGrpSpPr/>
+        <p:nvPr/>
+      </p:nvGrpSpPr>
+      <p:grpSpPr>
+        <a:xfrm>
+          <a:off x="0" y="0"/>
+          <a:ext cx="0" cy="0"/>
+          <a:chOff x="0" y="0"/>
+          <a:chExt cx="0" cy="0"/>
+        </a:xfrm>
+      </p:grpSpPr>
+      <p:pic>
+        <p:nvPicPr>
+          <p:cNvPr id="4" name="Picture 4" descr="http://blogs-images.forbes.com/robertwood/files/2016/02/Trump1.jpg?width=960"/>
+          <p:cNvPicPr>
+            <a:picLocks noChangeAspect="1" noChangeArrowheads="1"/>
+          </p:cNvPicPr>
+          <p:nvPr/>
+        </p:nvPicPr>
+        <p:blipFill>
+          <a:blip r:embed="rId2" cstate="print">
+            <a:grayscl/>
+            <a:extLst>
+              <a:ext uri="{28A0092B-C50C-407E-A947-70E740481C1C}">
+                <a14:useLocalDpi xmlns:a14="http://schemas.microsoft.com/office/drawing/2010/main" val="0"/>
+              </a:ext>
+            </a:extLst>
+          </a:blip>
+          <a:srcRect/>
+          <a:stretch>
+            <a:fillRect/>
+          </a:stretch>
+        </p:blipFill>
+        <p:spPr bwMode="auto">
+          <a:xfrm>
+            <a:off x="4796128" y="1529087"/>
+            <a:ext cx="3918880" cy="2661313"/>
+          </a:xfrm>
+          <a:prstGeom prst="rect">
+            <a:avLst/>
+          </a:prstGeom>
+          <a:noFill/>
+          <a:effectLst>
+            <a:softEdge rad="31750"/>
+          </a:effectLst>
+          <a:extLst>
+            <a:ext uri="{909E8E84-426E-40DD-AFC4-6F175D3DCCD1}">
+              <a14:hiddenFill xmlns:a14="http://schemas.microsoft.com/office/drawing/2010/main">
+                <a:solidFill>
+                  <a:srgbClr val="FFFFFF"/>
+                </a:solidFill>
+              </a14:hiddenFill>
+            </a:ext>
+          </a:extLst>
+        </p:spPr>
+      </p:pic>
+      <p:pic>
+        <p:nvPicPr>
+          <p:cNvPr id="127" name="Grafik 126"/>
+          <p:cNvPicPr/>
+          <p:nvPr/>
+        </p:nvPicPr>
+        <p:blipFill>
+          <a:blip r:embed="rId3"/>
+          <a:stretch/>
+        </p:blipFill>
+        <p:spPr>
+          <a:xfrm>
+            <a:off x="3677040" y="2520000"/>
+            <a:ext cx="4170960" cy="1670400"/>
+          </a:xfrm>
+          <a:prstGeom prst="rect">
+            <a:avLst/>
+          </a:prstGeom>
+          <a:ln>
+            <a:noFill/>
+          </a:ln>
+        </p:spPr>
+      </p:pic>
+      <p:sp>
+        <p:nvSpPr>
+          <p:cNvPr id="3" name="Titel 1"/>
+          <p:cNvSpPr txBox="1">
+            <a:spLocks/>
+          </p:cNvSpPr>
+          <p:nvPr/>
+        </p:nvSpPr>
+        <p:spPr>
+          <a:xfrm>
+            <a:off x="793230" y="4802214"/>
+            <a:ext cx="10515600" cy="1325563"/>
+          </a:xfrm>
+          <a:prstGeom prst="rect">
+            <a:avLst/>
+          </a:prstGeom>
+        </p:spPr>
+        <p:txBody>
+          <a:bodyPr/>
+          <a:lstStyle>
+            <a:lvl1pPr algn="l" defTabSz="914400" rtl="0" eaLnBrk="1" latinLnBrk="0" hangingPunct="1">
+              <a:lnSpc>
+                <a:spcPct val="90000"/>
+              </a:lnSpc>
+              <a:spcBef>
+                <a:spcPct val="0"/>
+              </a:spcBef>
+              <a:buNone/>
+              <a:defRPr sz="4400" kern="1200">
+                <a:solidFill>
+                  <a:schemeClr val="tx1"/>
+                </a:solidFill>
+                <a:latin typeface="+mj-lt"/>
+                <a:ea typeface="+mj-ea"/>
+                <a:cs typeface="+mj-cs"/>
+              </a:defRPr>
+            </a:lvl1pPr>
+          </a:lstStyle>
+          <a:p>
+            <a:pPr algn="ctr"/>
+            <a:r>
+              <a:rPr lang="de-DE" dirty="0" smtClean="0">
+                <a:solidFill>
+                  <a:schemeClr val="bg1"/>
+                </a:solidFill>
+                <a:latin typeface="Berlin Sans FB Demi" panose="020E0802020502020306" pitchFamily="34" charset="0"/>
+              </a:rPr>
+              <a:t>Vielen Dank für eure Aufmerksamkeit!</a:t>
+            </a:r>
+            <a:endParaRPr lang="de-DE" dirty="0">
+              <a:solidFill>
+                <a:schemeClr val="bg1"/>
+              </a:solidFill>
+              <a:latin typeface="Berlin Sans FB Demi" panose="020E0802020502020306" pitchFamily="34" charset="0"/>
+            </a:endParaRPr>
+          </a:p>
+        </p:txBody>
+      </p:sp>
+    </p:spTree>
+    <p:extLst>
+      <p:ext uri="{BB962C8B-B14F-4D97-AF65-F5344CB8AC3E}">
+        <p14:creationId xmlns:p14="http://schemas.microsoft.com/office/powerpoint/2010/main" val="2983534328"/>
+      </p:ext>
+    </p:extLst>
+  </p:cSld>
+  <p:clrMapOvr>
+    <a:masterClrMapping/>
+  </p:clrMapOvr>
+  <p:timing>
+    <p:tnLst>
+      <p:par>
+        <p:cTn id="1" dur="indefinite" restart="never" nodeType="tmRoot">
+          <p:childTnLst>
+            <p:seq>
+              <p:cTn id="2" nodeType="mainSeq"/>
+              <p:prevCondLst>
+                <p:cond evt="onPrev" delay="0">
+                  <p:tgtEl>
+                    <p:sldTgt/>
+                  </p:tgtEl>
+                </p:cond>
+              </p:prevCondLst>
+              <p:nextCondLst>
+                <p:cond evt="onNext" delay="0">
+                  <p:tgtEl>
+                    <p:sldTgt/>
+                  </p:tgtEl>
+                </p:cond>
+              </p:nextCondLst>
+            </p:seq>
+          </p:childTnLst>
+        </p:cTn>
       </p:par>
     </p:tnLst>
   </p:timing>

--- a/Abgabe/Schulungspräsentation.pptx
+++ b/Abgabe/Schulungspräsentation.pptx
@@ -3296,13 +3296,13 @@
   <p:clrMapOvr>
     <a:masterClrMapping/>
   </p:clrMapOvr>
-  <mc:AlternateContent xmlns:mc="http://schemas.openxmlformats.org/markup-compatibility/2006">
-    <mc:Choice xmlns:p14="http://schemas.microsoft.com/office/powerpoint/2010/main" Requires="p14">
+  <mc:AlternateContent xmlns:mc="http://schemas.openxmlformats.org/markup-compatibility/2006" xmlns:p14="http://schemas.microsoft.com/office/powerpoint/2010/main">
+    <mc:Choice Requires="p14">
       <p:transition spd="slow" p14:dur="1600">
         <p14:conveyor dir="l"/>
       </p:transition>
     </mc:Choice>
-    <mc:Fallback>
+    <mc:Fallback xmlns="">
       <p:transition spd="slow">
         <p:fade/>
       </p:transition>
@@ -3636,13 +3636,13 @@
   <p:clrMapOvr>
     <a:masterClrMapping/>
   </p:clrMapOvr>
-  <mc:AlternateContent xmlns:mc="http://schemas.openxmlformats.org/markup-compatibility/2006">
-    <mc:Choice xmlns:p14="http://schemas.microsoft.com/office/powerpoint/2010/main" Requires="p14">
+  <mc:AlternateContent xmlns:mc="http://schemas.openxmlformats.org/markup-compatibility/2006" xmlns:p14="http://schemas.microsoft.com/office/powerpoint/2010/main">
+    <mc:Choice Requires="p14">
       <p:transition spd="slow" p14:dur="1600">
         <p14:conveyor dir="l"/>
       </p:transition>
     </mc:Choice>
-    <mc:Fallback>
+    <mc:Fallback xmlns="">
       <p:transition spd="slow">
         <p:fade/>
       </p:transition>
@@ -3845,13 +3845,13 @@
   <p:clrMapOvr>
     <a:masterClrMapping/>
   </p:clrMapOvr>
-  <mc:AlternateContent xmlns:mc="http://schemas.openxmlformats.org/markup-compatibility/2006">
-    <mc:Choice xmlns:p14="http://schemas.microsoft.com/office/powerpoint/2010/main" Requires="p14">
+  <mc:AlternateContent xmlns:mc="http://schemas.openxmlformats.org/markup-compatibility/2006" xmlns:p14="http://schemas.microsoft.com/office/powerpoint/2010/main">
+    <mc:Choice Requires="p14">
       <p:transition spd="slow" p14:dur="1600">
         <p14:conveyor dir="l"/>
       </p:transition>
     </mc:Choice>
-    <mc:Fallback>
+    <mc:Fallback xmlns="">
       <p:transition spd="slow">
         <p:fade/>
       </p:transition>
@@ -4459,13 +4459,13 @@
   <p:clrMapOvr>
     <a:masterClrMapping/>
   </p:clrMapOvr>
-  <mc:AlternateContent xmlns:mc="http://schemas.openxmlformats.org/markup-compatibility/2006">
-    <mc:Choice xmlns:p14="http://schemas.microsoft.com/office/powerpoint/2010/main" Requires="p14">
+  <mc:AlternateContent xmlns:mc="http://schemas.openxmlformats.org/markup-compatibility/2006" xmlns:p14="http://schemas.microsoft.com/office/powerpoint/2010/main">
+    <mc:Choice Requires="p14">
       <p:transition spd="slow" p14:dur="1600">
         <p14:conveyor dir="l"/>
       </p:transition>
     </mc:Choice>
-    <mc:Fallback>
+    <mc:Fallback xmlns="">
       <p:transition spd="slow">
         <p:fade/>
       </p:transition>
@@ -4671,13 +4671,13 @@
   <p:clrMapOvr>
     <a:masterClrMapping/>
   </p:clrMapOvr>
-  <mc:AlternateContent xmlns:mc="http://schemas.openxmlformats.org/markup-compatibility/2006">
-    <mc:Choice xmlns:p14="http://schemas.microsoft.com/office/powerpoint/2010/main" Requires="p14">
+  <mc:AlternateContent xmlns:mc="http://schemas.openxmlformats.org/markup-compatibility/2006" xmlns:p14="http://schemas.microsoft.com/office/powerpoint/2010/main">
+    <mc:Choice Requires="p14">
       <p:transition spd="slow" p14:dur="1600">
         <p14:conveyor dir="l"/>
       </p:transition>
     </mc:Choice>
-    <mc:Fallback>
+    <mc:Fallback xmlns="">
       <p:transition spd="slow">
         <p:fade/>
       </p:transition>
@@ -4751,6 +4751,18 @@
   <p:clrMapOvr>
     <a:masterClrMapping/>
   </p:clrMapOvr>
+  <mc:AlternateContent xmlns:mc="http://schemas.openxmlformats.org/markup-compatibility/2006">
+    <mc:Choice xmlns:p14="http://schemas.microsoft.com/office/powerpoint/2010/main" Requires="p14">
+      <p:transition spd="slow" p14:dur="1600">
+        <p14:conveyor dir="l"/>
+      </p:transition>
+    </mc:Choice>
+    <mc:Fallback>
+      <p:transition spd="slow">
+        <p:fade/>
+      </p:transition>
+    </mc:Fallback>
+  </mc:AlternateContent>
   <p:timing>
     <p:tnLst>
       <p:par>
@@ -4972,13 +4984,13 @@
   <p:clrMapOvr>
     <a:masterClrMapping/>
   </p:clrMapOvr>
-  <mc:AlternateContent xmlns:mc="http://schemas.openxmlformats.org/markup-compatibility/2006">
-    <mc:Choice xmlns:p14="http://schemas.microsoft.com/office/powerpoint/2010/main" Requires="p14">
+  <mc:AlternateContent xmlns:mc="http://schemas.openxmlformats.org/markup-compatibility/2006" xmlns:p14="http://schemas.microsoft.com/office/powerpoint/2010/main">
+    <mc:Choice Requires="p14">
       <p:transition spd="slow" p14:dur="1600">
         <p14:conveyor dir="l"/>
       </p:transition>
     </mc:Choice>
-    <mc:Fallback>
+    <mc:Fallback xmlns="">
       <p:transition spd="slow">
         <p:fade/>
       </p:transition>
@@ -5122,6 +5134,18 @@
   <p:clrMapOvr>
     <a:masterClrMapping/>
   </p:clrMapOvr>
+  <mc:AlternateContent xmlns:mc="http://schemas.openxmlformats.org/markup-compatibility/2006">
+    <mc:Choice xmlns:p14="http://schemas.microsoft.com/office/powerpoint/2010/main" Requires="p14">
+      <p:transition spd="slow" p14:dur="1600">
+        <p14:conveyor dir="l"/>
+      </p:transition>
+    </mc:Choice>
+    <mc:Fallback>
+      <p:transition spd="slow">
+        <p:fade/>
+      </p:transition>
+    </mc:Fallback>
+  </mc:AlternateContent>
   <p:timing>
     <p:tnLst>
       <p:par>
@@ -5247,6 +5271,18 @@
   <p:clrMapOvr>
     <a:masterClrMapping/>
   </p:clrMapOvr>
+  <mc:AlternateContent xmlns:mc="http://schemas.openxmlformats.org/markup-compatibility/2006">
+    <mc:Choice xmlns:p14="http://schemas.microsoft.com/office/powerpoint/2010/main" Requires="p14">
+      <p:transition spd="slow" p14:dur="1600">
+        <p14:conveyor dir="l"/>
+      </p:transition>
+    </mc:Choice>
+    <mc:Fallback>
+      <p:transition spd="slow">
+        <p:fade/>
+      </p:transition>
+    </mc:Fallback>
+  </mc:AlternateContent>
   <p:timing>
     <p:tnLst>
       <p:par>
@@ -5438,6 +5474,18 @@
   <p:clrMapOvr>
     <a:masterClrMapping/>
   </p:clrMapOvr>
+  <mc:AlternateContent xmlns:mc="http://schemas.openxmlformats.org/markup-compatibility/2006">
+    <mc:Choice xmlns:p14="http://schemas.microsoft.com/office/powerpoint/2010/main" Requires="p14">
+      <p:transition spd="slow" p14:dur="1600">
+        <p14:conveyor dir="l"/>
+      </p:transition>
+    </mc:Choice>
+    <mc:Fallback>
+      <p:transition spd="slow">
+        <p:fade/>
+      </p:transition>
+    </mc:Fallback>
+  </mc:AlternateContent>
   <p:timing>
     <p:tnLst>
       <p:par>
@@ -5662,13 +5710,13 @@
   <p:clrMapOvr>
     <a:overrideClrMapping bg1="lt1" tx1="dk1" bg2="lt2" tx2="dk2" accent1="accent1" accent2="accent2" accent3="accent3" accent4="accent4" accent5="accent5" accent6="accent6" hlink="hlink" folHlink="folHlink"/>
   </p:clrMapOvr>
-  <mc:AlternateContent xmlns:mc="http://schemas.openxmlformats.org/markup-compatibility/2006">
-    <mc:Choice xmlns:p14="http://schemas.microsoft.com/office/powerpoint/2010/main" Requires="p14">
+  <mc:AlternateContent xmlns:mc="http://schemas.openxmlformats.org/markup-compatibility/2006" xmlns:p14="http://schemas.microsoft.com/office/powerpoint/2010/main">
+    <mc:Choice Requires="p14">
       <p:transition spd="slow" p14:dur="1600">
         <p14:conveyor dir="l"/>
       </p:transition>
     </mc:Choice>
-    <mc:Fallback>
+    <mc:Fallback xmlns="">
       <p:transition spd="slow">
         <p:fade/>
       </p:transition>
@@ -5835,13 +5883,13 @@
   <p:clrMapOvr>
     <a:masterClrMapping/>
   </p:clrMapOvr>
-  <mc:AlternateContent xmlns:mc="http://schemas.openxmlformats.org/markup-compatibility/2006">
-    <mc:Choice xmlns:p14="http://schemas.microsoft.com/office/powerpoint/2010/main" Requires="p14">
+  <mc:AlternateContent xmlns:mc="http://schemas.openxmlformats.org/markup-compatibility/2006" xmlns:p14="http://schemas.microsoft.com/office/powerpoint/2010/main">
+    <mc:Choice Requires="p14">
       <p:transition spd="slow" p14:dur="1600">
         <p14:conveyor dir="l"/>
       </p:transition>
     </mc:Choice>
-    <mc:Fallback>
+    <mc:Fallback xmlns="">
       <p:transition spd="slow">
         <p:fade/>
       </p:transition>
@@ -6050,13 +6098,13 @@
   <p:clrMapOvr>
     <a:masterClrMapping/>
   </p:clrMapOvr>
-  <mc:AlternateContent xmlns:mc="http://schemas.openxmlformats.org/markup-compatibility/2006">
-    <mc:Choice xmlns:p14="http://schemas.microsoft.com/office/powerpoint/2010/main" Requires="p14">
+  <mc:AlternateContent xmlns:mc="http://schemas.openxmlformats.org/markup-compatibility/2006" xmlns:p14="http://schemas.microsoft.com/office/powerpoint/2010/main">
+    <mc:Choice Requires="p14">
       <p:transition spd="slow" p14:dur="1600">
         <p14:conveyor dir="l"/>
       </p:transition>
     </mc:Choice>
-    <mc:Fallback>
+    <mc:Fallback xmlns="">
       <p:transition spd="slow">
         <p:fade/>
       </p:transition>
@@ -6282,13 +6330,13 @@
   <p:clrMapOvr>
     <a:masterClrMapping/>
   </p:clrMapOvr>
-  <mc:AlternateContent xmlns:mc="http://schemas.openxmlformats.org/markup-compatibility/2006">
-    <mc:Choice xmlns:p14="http://schemas.microsoft.com/office/powerpoint/2010/main" Requires="p14">
+  <mc:AlternateContent xmlns:mc="http://schemas.openxmlformats.org/markup-compatibility/2006" xmlns:p14="http://schemas.microsoft.com/office/powerpoint/2010/main">
+    <mc:Choice Requires="p14">
       <p:transition spd="slow" p14:dur="1600">
         <p14:conveyor dir="l"/>
       </p:transition>
     </mc:Choice>
-    <mc:Fallback>
+    <mc:Fallback xmlns="">
       <p:transition spd="slow">
         <p:fade/>
       </p:transition>
@@ -6505,13 +6553,13 @@
   <p:clrMapOvr>
     <a:masterClrMapping/>
   </p:clrMapOvr>
-  <mc:AlternateContent xmlns:mc="http://schemas.openxmlformats.org/markup-compatibility/2006">
-    <mc:Choice xmlns:p14="http://schemas.microsoft.com/office/powerpoint/2010/main" Requires="p14">
+  <mc:AlternateContent xmlns:mc="http://schemas.openxmlformats.org/markup-compatibility/2006" xmlns:p14="http://schemas.microsoft.com/office/powerpoint/2010/main">
+    <mc:Choice Requires="p14">
       <p:transition spd="slow" p14:dur="1600">
         <p14:conveyor dir="l"/>
       </p:transition>
     </mc:Choice>
-    <mc:Fallback>
+    <mc:Fallback xmlns="">
       <p:transition spd="slow">
         <p:fade/>
       </p:transition>
@@ -6856,13 +6904,13 @@
   <p:clrMapOvr>
     <a:masterClrMapping/>
   </p:clrMapOvr>
-  <mc:AlternateContent xmlns:mc="http://schemas.openxmlformats.org/markup-compatibility/2006">
-    <mc:Choice xmlns:p14="http://schemas.microsoft.com/office/powerpoint/2010/main" Requires="p14">
+  <mc:AlternateContent xmlns:mc="http://schemas.openxmlformats.org/markup-compatibility/2006" xmlns:p14="http://schemas.microsoft.com/office/powerpoint/2010/main">
+    <mc:Choice Requires="p14">
       <p:transition spd="slow" p14:dur="1600">
         <p14:conveyor dir="l"/>
       </p:transition>
     </mc:Choice>
-    <mc:Fallback>
+    <mc:Fallback xmlns="">
       <p:transition spd="slow">
         <p:fade/>
       </p:transition>
